--- a/Course_4_Unsupervised_Learning/Classification_Project_Body_Fat_Prediction.pptx
+++ b/Course_4_Unsupervised_Learning/Classification_Project_Body_Fat_Prediction.pptx
@@ -277,7 +277,7 @@
           <a:p>
             <a:fld id="{16F770BB-1FD8-45C5-AB6D-C1CFB5A40374}" type="datetimeFigureOut">
               <a:rPr lang="en-US" smtClean="0"/>
-              <a:t>7/30/2022</a:t>
+              <a:t>7/31/2022</a:t>
             </a:fld>
             <a:endParaRPr lang="en-US"/>
           </a:p>
@@ -475,7 +475,7 @@
           <a:p>
             <a:fld id="{16F770BB-1FD8-45C5-AB6D-C1CFB5A40374}" type="datetimeFigureOut">
               <a:rPr lang="en-US" smtClean="0"/>
-              <a:t>7/30/2022</a:t>
+              <a:t>7/31/2022</a:t>
             </a:fld>
             <a:endParaRPr lang="en-US"/>
           </a:p>
@@ -683,7 +683,7 @@
           <a:p>
             <a:fld id="{16F770BB-1FD8-45C5-AB6D-C1CFB5A40374}" type="datetimeFigureOut">
               <a:rPr lang="en-US" smtClean="0"/>
-              <a:t>7/30/2022</a:t>
+              <a:t>7/31/2022</a:t>
             </a:fld>
             <a:endParaRPr lang="en-US"/>
           </a:p>
@@ -881,7 +881,7 @@
           <a:p>
             <a:fld id="{16F770BB-1FD8-45C5-AB6D-C1CFB5A40374}" type="datetimeFigureOut">
               <a:rPr lang="en-US" smtClean="0"/>
-              <a:t>7/30/2022</a:t>
+              <a:t>7/31/2022</a:t>
             </a:fld>
             <a:endParaRPr lang="en-US"/>
           </a:p>
@@ -1156,7 +1156,7 @@
           <a:p>
             <a:fld id="{16F770BB-1FD8-45C5-AB6D-C1CFB5A40374}" type="datetimeFigureOut">
               <a:rPr lang="en-US" smtClean="0"/>
-              <a:t>7/30/2022</a:t>
+              <a:t>7/31/2022</a:t>
             </a:fld>
             <a:endParaRPr lang="en-US"/>
           </a:p>
@@ -1421,7 +1421,7 @@
           <a:p>
             <a:fld id="{16F770BB-1FD8-45C5-AB6D-C1CFB5A40374}" type="datetimeFigureOut">
               <a:rPr lang="en-US" smtClean="0"/>
-              <a:t>7/30/2022</a:t>
+              <a:t>7/31/2022</a:t>
             </a:fld>
             <a:endParaRPr lang="en-US"/>
           </a:p>
@@ -1833,7 +1833,7 @@
           <a:p>
             <a:fld id="{16F770BB-1FD8-45C5-AB6D-C1CFB5A40374}" type="datetimeFigureOut">
               <a:rPr lang="en-US" smtClean="0"/>
-              <a:t>7/30/2022</a:t>
+              <a:t>7/31/2022</a:t>
             </a:fld>
             <a:endParaRPr lang="en-US"/>
           </a:p>
@@ -1974,7 +1974,7 @@
           <a:p>
             <a:fld id="{16F770BB-1FD8-45C5-AB6D-C1CFB5A40374}" type="datetimeFigureOut">
               <a:rPr lang="en-US" smtClean="0"/>
-              <a:t>7/30/2022</a:t>
+              <a:t>7/31/2022</a:t>
             </a:fld>
             <a:endParaRPr lang="en-US"/>
           </a:p>
@@ -2087,7 +2087,7 @@
           <a:p>
             <a:fld id="{16F770BB-1FD8-45C5-AB6D-C1CFB5A40374}" type="datetimeFigureOut">
               <a:rPr lang="en-US" smtClean="0"/>
-              <a:t>7/30/2022</a:t>
+              <a:t>7/31/2022</a:t>
             </a:fld>
             <a:endParaRPr lang="en-US"/>
           </a:p>
@@ -2398,7 +2398,7 @@
           <a:p>
             <a:fld id="{16F770BB-1FD8-45C5-AB6D-C1CFB5A40374}" type="datetimeFigureOut">
               <a:rPr lang="en-US" smtClean="0"/>
-              <a:t>7/30/2022</a:t>
+              <a:t>7/31/2022</a:t>
             </a:fld>
             <a:endParaRPr lang="en-US"/>
           </a:p>
@@ -2686,7 +2686,7 @@
           <a:p>
             <a:fld id="{16F770BB-1FD8-45C5-AB6D-C1CFB5A40374}" type="datetimeFigureOut">
               <a:rPr lang="en-US" smtClean="0"/>
-              <a:t>7/30/2022</a:t>
+              <a:t>7/31/2022</a:t>
             </a:fld>
             <a:endParaRPr lang="en-US"/>
           </a:p>
@@ -2927,7 +2927,7 @@
           <a:p>
             <a:fld id="{16F770BB-1FD8-45C5-AB6D-C1CFB5A40374}" type="datetimeFigureOut">
               <a:rPr lang="en-US" smtClean="0"/>
-              <a:t>7/30/2022</a:t>
+              <a:t>7/31/2022</a:t>
             </a:fld>
             <a:endParaRPr lang="en-US"/>
           </a:p>
@@ -6153,7 +6153,7 @@
           <a:p>
             <a:r>
               <a:rPr lang="en-US" dirty="0"/>
-              <a:t>The following regressions were all performed on data that was standardly scaled following the train/test split.  It is noted that the BMI feature was reintroduced for regression. </a:t>
+              <a:t>The subsequent regressions were all performed on data that was standardly scaled following the train/test split.  It is noted that the BMI feature was reintroduced for regression. </a:t>
             </a:r>
           </a:p>
         </p:txBody>

--- a/Course_4_Unsupervised_Learning/Classification_Project_Body_Fat_Prediction.pptx
+++ b/Course_4_Unsupervised_Learning/Classification_Project_Body_Fat_Prediction.pptx
@@ -22,8 +22,8 @@
     <p:sldId id="271" r:id="rId16"/>
     <p:sldId id="272" r:id="rId17"/>
     <p:sldId id="273" r:id="rId18"/>
-    <p:sldId id="257" r:id="rId19"/>
-    <p:sldId id="258" r:id="rId20"/>
+    <p:sldId id="277" r:id="rId19"/>
+    <p:sldId id="275" r:id="rId20"/>
   </p:sldIdLst>
   <p:sldSz cx="12192000" cy="6858000"/>
   <p:notesSz cx="6858000" cy="9144000"/>
@@ -277,7 +277,7 @@
           <a:p>
             <a:fld id="{16F770BB-1FD8-45C5-AB6D-C1CFB5A40374}" type="datetimeFigureOut">
               <a:rPr lang="en-US" smtClean="0"/>
-              <a:t>7/31/2022</a:t>
+              <a:t>8/6/2022</a:t>
             </a:fld>
             <a:endParaRPr lang="en-US"/>
           </a:p>
@@ -475,7 +475,7 @@
           <a:p>
             <a:fld id="{16F770BB-1FD8-45C5-AB6D-C1CFB5A40374}" type="datetimeFigureOut">
               <a:rPr lang="en-US" smtClean="0"/>
-              <a:t>7/31/2022</a:t>
+              <a:t>8/6/2022</a:t>
             </a:fld>
             <a:endParaRPr lang="en-US"/>
           </a:p>
@@ -683,7 +683,7 @@
           <a:p>
             <a:fld id="{16F770BB-1FD8-45C5-AB6D-C1CFB5A40374}" type="datetimeFigureOut">
               <a:rPr lang="en-US" smtClean="0"/>
-              <a:t>7/31/2022</a:t>
+              <a:t>8/6/2022</a:t>
             </a:fld>
             <a:endParaRPr lang="en-US"/>
           </a:p>
@@ -881,7 +881,7 @@
           <a:p>
             <a:fld id="{16F770BB-1FD8-45C5-AB6D-C1CFB5A40374}" type="datetimeFigureOut">
               <a:rPr lang="en-US" smtClean="0"/>
-              <a:t>7/31/2022</a:t>
+              <a:t>8/6/2022</a:t>
             </a:fld>
             <a:endParaRPr lang="en-US"/>
           </a:p>
@@ -1156,7 +1156,7 @@
           <a:p>
             <a:fld id="{16F770BB-1FD8-45C5-AB6D-C1CFB5A40374}" type="datetimeFigureOut">
               <a:rPr lang="en-US" smtClean="0"/>
-              <a:t>7/31/2022</a:t>
+              <a:t>8/6/2022</a:t>
             </a:fld>
             <a:endParaRPr lang="en-US"/>
           </a:p>
@@ -1421,7 +1421,7 @@
           <a:p>
             <a:fld id="{16F770BB-1FD8-45C5-AB6D-C1CFB5A40374}" type="datetimeFigureOut">
               <a:rPr lang="en-US" smtClean="0"/>
-              <a:t>7/31/2022</a:t>
+              <a:t>8/6/2022</a:t>
             </a:fld>
             <a:endParaRPr lang="en-US"/>
           </a:p>
@@ -1833,7 +1833,7 @@
           <a:p>
             <a:fld id="{16F770BB-1FD8-45C5-AB6D-C1CFB5A40374}" type="datetimeFigureOut">
               <a:rPr lang="en-US" smtClean="0"/>
-              <a:t>7/31/2022</a:t>
+              <a:t>8/6/2022</a:t>
             </a:fld>
             <a:endParaRPr lang="en-US"/>
           </a:p>
@@ -1974,7 +1974,7 @@
           <a:p>
             <a:fld id="{16F770BB-1FD8-45C5-AB6D-C1CFB5A40374}" type="datetimeFigureOut">
               <a:rPr lang="en-US" smtClean="0"/>
-              <a:t>7/31/2022</a:t>
+              <a:t>8/6/2022</a:t>
             </a:fld>
             <a:endParaRPr lang="en-US"/>
           </a:p>
@@ -2087,7 +2087,7 @@
           <a:p>
             <a:fld id="{16F770BB-1FD8-45C5-AB6D-C1CFB5A40374}" type="datetimeFigureOut">
               <a:rPr lang="en-US" smtClean="0"/>
-              <a:t>7/31/2022</a:t>
+              <a:t>8/6/2022</a:t>
             </a:fld>
             <a:endParaRPr lang="en-US"/>
           </a:p>
@@ -2398,7 +2398,7 @@
           <a:p>
             <a:fld id="{16F770BB-1FD8-45C5-AB6D-C1CFB5A40374}" type="datetimeFigureOut">
               <a:rPr lang="en-US" smtClean="0"/>
-              <a:t>7/31/2022</a:t>
+              <a:t>8/6/2022</a:t>
             </a:fld>
             <a:endParaRPr lang="en-US"/>
           </a:p>
@@ -2686,7 +2686,7 @@
           <a:p>
             <a:fld id="{16F770BB-1FD8-45C5-AB6D-C1CFB5A40374}" type="datetimeFigureOut">
               <a:rPr lang="en-US" smtClean="0"/>
-              <a:t>7/31/2022</a:t>
+              <a:t>8/6/2022</a:t>
             </a:fld>
             <a:endParaRPr lang="en-US"/>
           </a:p>
@@ -2927,7 +2927,7 @@
           <a:p>
             <a:fld id="{16F770BB-1FD8-45C5-AB6D-C1CFB5A40374}" type="datetimeFigureOut">
               <a:rPr lang="en-US" smtClean="0"/>
-              <a:t>7/31/2022</a:t>
+              <a:t>8/6/2022</a:t>
             </a:fld>
             <a:endParaRPr lang="en-US"/>
           </a:p>
@@ -3491,7 +3491,7 @@
           <a:p>
             <a:r>
               <a:rPr lang="en-US" dirty="0"/>
-              <a:t>With the expected blurry boundaries, it seems </a:t>
+              <a:t>With the expected blurry boundaries, </a:t>
             </a:r>
             <a:r>
               <a:rPr lang="en-US" dirty="0" err="1"/>
@@ -3499,7 +3499,7 @@
             </a:r>
             <a:r>
               <a:rPr lang="en-US" dirty="0"/>
-              <a:t> was able to find a BMI cutoff close to the one modern medicine advises as being overweight. </a:t>
+              <a:t> was able to find a BMI cutoff near the one modern medicine advises as being overweight. </a:t>
             </a:r>
           </a:p>
           <a:p>
@@ -3526,7 +3526,7 @@
           <a:p>
             <a:r>
               <a:rPr lang="en-US" dirty="0"/>
-              <a:t>There were 139 observations in the majority split, and 105 observations in the minority split.</a:t>
+              <a:t>There were 137 observations in the majority split, and 106 observations in the minority split.</a:t>
             </a:r>
           </a:p>
           <a:p>
@@ -3661,7 +3661,7 @@
         </p:blipFill>
         <p:spPr bwMode="auto">
           <a:xfrm>
-            <a:off x="4597565" y="3354313"/>
+            <a:off x="3602483" y="3007395"/>
             <a:ext cx="2996870" cy="1987797"/>
           </a:xfrm>
           <a:prstGeom prst="rect">
@@ -4033,7 +4033,7 @@
         </p:spPr>
         <p:txBody>
           <a:bodyPr>
-            <a:normAutofit lnSpcReduction="10000"/>
+            <a:normAutofit fontScale="85000" lnSpcReduction="10000"/>
           </a:bodyPr>
           <a:lstStyle/>
           <a:p>
@@ -4066,6 +4066,12 @@
             <a:endParaRPr lang="en-US" dirty="0"/>
           </a:p>
           <a:p>
+            <a:endParaRPr lang="en-US" dirty="0"/>
+          </a:p>
+          <a:p>
+            <a:endParaRPr lang="en-US" dirty="0"/>
+          </a:p>
+          <a:p>
             <a:r>
               <a:rPr lang="en-US" dirty="0"/>
               <a:t>3 was selected for </a:t>
@@ -4086,10 +4092,10 @@
       </p:sp>
       <p:pic>
         <p:nvPicPr>
-          <p:cNvPr id="2050" name="Picture 2">
-            <a:extLst>
-              <a:ext uri="{FF2B5EF4-FFF2-40B4-BE49-F238E27FC236}">
-                <a16:creationId xmlns:a16="http://schemas.microsoft.com/office/drawing/2014/main" id="{E9EA13BF-BDC4-96C3-B1C8-DCDD6488DF74}"/>
+          <p:cNvPr id="5" name="Picture 2">
+            <a:extLst>
+              <a:ext uri="{FF2B5EF4-FFF2-40B4-BE49-F238E27FC236}">
+                <a16:creationId xmlns:a16="http://schemas.microsoft.com/office/drawing/2014/main" id="{D9CA2760-14D2-10F1-D3C9-2971E697AC04}"/>
               </a:ext>
             </a:extLst>
           </p:cNvPr>
@@ -4113,8 +4119,8 @@
         </p:blipFill>
         <p:spPr bwMode="auto">
           <a:xfrm>
-            <a:off x="3483095" y="2400690"/>
-            <a:ext cx="3638550" cy="2495550"/>
+            <a:off x="4328117" y="2695247"/>
+            <a:ext cx="3414993" cy="2342220"/>
           </a:xfrm>
           <a:prstGeom prst="rect">
             <a:avLst/>
@@ -4214,7 +4220,7 @@
           <a:p>
             <a:r>
               <a:rPr lang="en-US" dirty="0"/>
-              <a:t>With the discussed hyperparameters, 23 outlying data points were identified by the DBSCAN algorithm.</a:t>
+              <a:t>With the discussed hyperparameters, 17 outlying data points were identified by the DBSCAN algorithm.</a:t>
             </a:r>
           </a:p>
           <a:p>
@@ -4234,7 +4240,7 @@
           <a:p>
             <a:r>
               <a:rPr lang="en-US" dirty="0"/>
-              <a:t>There were 220 observations in the majority split, and 22 outliers.</a:t>
+              <a:t>There were 220 observations in the majority split, and 17 outliers.</a:t>
             </a:r>
           </a:p>
           <a:p>
@@ -4345,7 +4351,7 @@
           <a:p>
             <a:r>
               <a:rPr lang="en-US" dirty="0"/>
-              <a:t>There were 177 observations in the majority split, and 66 observations in the minority split.</a:t>
+              <a:t>There were 176 observations in the majority split, and 67 observations in the minority split.</a:t>
             </a:r>
           </a:p>
           <a:p>
@@ -4416,66 +4422,6 @@
       </p:sp>
       <p:sp>
         <p:nvSpPr>
-          <p:cNvPr id="6" name="TextBox 5">
-            <a:extLst>
-              <a:ext uri="{FF2B5EF4-FFF2-40B4-BE49-F238E27FC236}">
-                <a16:creationId xmlns:a16="http://schemas.microsoft.com/office/drawing/2014/main" id="{0FFB865D-7CC9-5C8B-FFE8-C0BC03D014F8}"/>
-              </a:ext>
-            </a:extLst>
-          </p:cNvPr>
-          <p:cNvSpPr txBox="1"/>
-          <p:nvPr/>
-        </p:nvSpPr>
-        <p:spPr>
-          <a:xfrm>
-            <a:off x="5027403" y="2863520"/>
-            <a:ext cx="2137194" cy="1477328"/>
-          </a:xfrm>
-          <a:prstGeom prst="rect">
-            <a:avLst/>
-          </a:prstGeom>
-          <a:noFill/>
-        </p:spPr>
-        <p:txBody>
-          <a:bodyPr wrap="square">
-            <a:spAutoFit/>
-          </a:bodyPr>
-          <a:lstStyle/>
-          <a:p>
-            <a:r>
-              <a:rPr lang="sv-SE" dirty="0"/>
-              <a:t>	R2</a:t>
-            </a:r>
-          </a:p>
-          <a:p>
-            <a:r>
-              <a:rPr lang="sv-SE" dirty="0"/>
-              <a:t>OLS	0.661000</a:t>
-            </a:r>
-          </a:p>
-          <a:p>
-            <a:r>
-              <a:rPr lang="sv-SE" dirty="0"/>
-              <a:t>DBSCAN	0.682673</a:t>
-            </a:r>
-          </a:p>
-          <a:p>
-            <a:r>
-              <a:rPr lang="sv-SE" dirty="0"/>
-              <a:t>kmeans	0.359610</a:t>
-            </a:r>
-          </a:p>
-          <a:p>
-            <a:r>
-              <a:rPr lang="sv-SE" dirty="0"/>
-              <a:t>HA	0.721767</a:t>
-            </a:r>
-            <a:endParaRPr lang="en-US" dirty="0"/>
-          </a:p>
-        </p:txBody>
-      </p:sp>
-      <p:sp>
-        <p:nvSpPr>
           <p:cNvPr id="8" name="Content Placeholder 7">
             <a:extLst>
               <a:ext uri="{FF2B5EF4-FFF2-40B4-BE49-F238E27FC236}">
@@ -4500,463 +4446,61 @@
           <a:bodyPr/>
           <a:lstStyle/>
           <a:p>
+            <a:endParaRPr lang="en-US" dirty="0"/>
+          </a:p>
+          <a:p>
+            <a:r>
+              <a:rPr lang="en-US" dirty="0"/>
+              <a:t>The baseline, no clustering, regression had a coefficient of determination of ~0.654.</a:t>
+            </a:r>
+          </a:p>
+          <a:p>
+            <a:r>
+              <a:rPr lang="en-US" dirty="0"/>
+              <a:t>DBSCAN and HA clustering increased the regression performance.  These algorithms were able to uncover structure in the data.  Each majority group contained significantly less scatter than the original dataset. </a:t>
+            </a:r>
+          </a:p>
+          <a:p>
             <a:r>
               <a:rPr lang="en-US" dirty="0" err="1"/>
               <a:t>Kmeans</a:t>
             </a:r>
             <a:r>
               <a:rPr lang="en-US" dirty="0"/>
-              <a:t> decreased the performance of regression.  Likely because it was constrained to </a:t>
-            </a:r>
-          </a:p>
-        </p:txBody>
-      </p:sp>
-      <p:graphicFrame>
-        <p:nvGraphicFramePr>
-          <p:cNvPr id="9" name="Table 8">
-            <a:extLst>
-              <a:ext uri="{FF2B5EF4-FFF2-40B4-BE49-F238E27FC236}">
-                <a16:creationId xmlns:a16="http://schemas.microsoft.com/office/drawing/2014/main" id="{C18549E9-EBCE-80CA-274D-9D792116562E}"/>
-              </a:ext>
-            </a:extLst>
-          </p:cNvPr>
-          <p:cNvGraphicFramePr>
-            <a:graphicFrameLocks noGrp="1"/>
-          </p:cNvGraphicFramePr>
-          <p:nvPr>
-            <p:extLst>
-              <p:ext uri="{D42A27DB-BD31-4B8C-83A1-F6EECF244321}">
-                <p14:modId xmlns:p14="http://schemas.microsoft.com/office/powerpoint/2010/main" val="1380986470"/>
-              </p:ext>
-            </p:extLst>
-          </p:nvPr>
-        </p:nvGraphicFramePr>
-        <p:xfrm>
-          <a:off x="379561" y="2863520"/>
-          <a:ext cx="3762556" cy="2468880"/>
-        </p:xfrm>
-        <a:graphic>
-          <a:graphicData uri="http://schemas.openxmlformats.org/drawingml/2006/table">
-            <a:tbl>
-              <a:tblPr/>
-              <a:tblGrid>
-                <a:gridCol w="1881278">
-                  <a:extLst>
-                    <a:ext uri="{9D8B030D-6E8A-4147-A177-3AD203B41FA5}">
-                      <a16:colId xmlns:a16="http://schemas.microsoft.com/office/drawing/2014/main" val="1778427183"/>
-                    </a:ext>
-                  </a:extLst>
-                </a:gridCol>
-                <a:gridCol w="1881278">
-                  <a:extLst>
-                    <a:ext uri="{9D8B030D-6E8A-4147-A177-3AD203B41FA5}">
-                      <a16:colId xmlns:a16="http://schemas.microsoft.com/office/drawing/2014/main" val="4106889975"/>
-                    </a:ext>
-                  </a:extLst>
-                </a:gridCol>
-              </a:tblGrid>
-              <a:tr h="556753">
-                <a:tc>
-                  <a:txBody>
-                    <a:bodyPr/>
-                    <a:lstStyle/>
-                    <a:p>
-                      <a:pPr algn="r" fontAlgn="ctr"/>
-                      <a:br>
-                        <a:rPr lang="en-US" b="1" dirty="0">
-                          <a:effectLst/>
-                        </a:rPr>
-                      </a:br>
-                      <a:endParaRPr lang="en-US" b="1" dirty="0">
-                        <a:effectLst/>
-                      </a:endParaRPr>
-                    </a:p>
-                  </a:txBody>
-                  <a:tcPr anchor="ctr">
-                    <a:lnL>
-                      <a:noFill/>
-                    </a:lnL>
-                    <a:lnR>
-                      <a:noFill/>
-                    </a:lnR>
-                    <a:lnT>
-                      <a:noFill/>
-                    </a:lnT>
-                    <a:lnB>
-                      <a:noFill/>
-                    </a:lnB>
-                  </a:tcPr>
-                </a:tc>
-                <a:tc>
-                  <a:txBody>
-                    <a:bodyPr/>
-                    <a:lstStyle/>
-                    <a:p>
-                      <a:r>
-                        <a:rPr lang="en-US" dirty="0"/>
-                        <a:t>R2</a:t>
-                      </a:r>
-                    </a:p>
-                  </a:txBody>
-                  <a:tcPr>
-                    <a:lnL>
-                      <a:noFill/>
-                    </a:lnL>
-                  </a:tcPr>
-                </a:tc>
-                <a:extLst>
-                  <a:ext uri="{0D108BD9-81ED-4DB2-BD59-A6C34878D82A}">
-                    <a16:rowId xmlns:a16="http://schemas.microsoft.com/office/drawing/2014/main" val="3231871873"/>
-                  </a:ext>
-                </a:extLst>
-              </a:tr>
-              <a:tr h="318145">
-                <a:tc>
-                  <a:txBody>
-                    <a:bodyPr/>
-                    <a:lstStyle/>
-                    <a:p>
-                      <a:pPr algn="r" fontAlgn="ctr"/>
-                      <a:r>
-                        <a:rPr lang="en-US" b="1">
-                          <a:effectLst/>
-                        </a:rPr>
-                        <a:t>OLS</a:t>
-                      </a:r>
-                    </a:p>
-                  </a:txBody>
-                  <a:tcPr anchor="ctr">
-                    <a:lnL>
-                      <a:noFill/>
-                    </a:lnL>
-                    <a:lnR>
-                      <a:noFill/>
-                    </a:lnR>
-                    <a:lnT>
-                      <a:noFill/>
-                    </a:lnT>
-                    <a:lnB>
-                      <a:noFill/>
-                    </a:lnB>
-                    <a:solidFill>
-                      <a:srgbClr val="F5F5F5"/>
-                    </a:solidFill>
-                  </a:tcPr>
-                </a:tc>
-                <a:tc>
-                  <a:txBody>
-                    <a:bodyPr/>
-                    <a:lstStyle/>
-                    <a:p>
-                      <a:pPr algn="r" fontAlgn="ctr"/>
-                      <a:r>
-                        <a:rPr lang="en-US">
-                          <a:effectLst/>
-                        </a:rPr>
-                        <a:t>0.661000</a:t>
-                      </a:r>
-                    </a:p>
-                  </a:txBody>
-                  <a:tcPr anchor="ctr">
-                    <a:lnL>
-                      <a:noFill/>
-                    </a:lnL>
-                    <a:lnR>
-                      <a:noFill/>
-                    </a:lnR>
-                    <a:lnB>
-                      <a:noFill/>
-                    </a:lnB>
-                    <a:solidFill>
-                      <a:srgbClr val="F5F5F5"/>
-                    </a:solidFill>
-                  </a:tcPr>
-                </a:tc>
-                <a:extLst>
-                  <a:ext uri="{0D108BD9-81ED-4DB2-BD59-A6C34878D82A}">
-                    <a16:rowId xmlns:a16="http://schemas.microsoft.com/office/drawing/2014/main" val="3540257080"/>
-                  </a:ext>
-                </a:extLst>
-              </a:tr>
-              <a:tr h="318145">
-                <a:tc>
-                  <a:txBody>
-                    <a:bodyPr/>
-                    <a:lstStyle/>
-                    <a:p>
-                      <a:pPr algn="r" fontAlgn="ctr"/>
-                      <a:r>
-                        <a:rPr lang="en-US" b="1">
-                          <a:effectLst/>
-                        </a:rPr>
-                        <a:t>DBSCAN</a:t>
-                      </a:r>
-                    </a:p>
-                  </a:txBody>
-                  <a:tcPr anchor="ctr">
-                    <a:lnL>
-                      <a:noFill/>
-                    </a:lnL>
-                    <a:lnR>
-                      <a:noFill/>
-                    </a:lnR>
-                    <a:lnT>
-                      <a:noFill/>
-                    </a:lnT>
-                    <a:lnB>
-                      <a:noFill/>
-                    </a:lnB>
-                  </a:tcPr>
-                </a:tc>
-                <a:tc>
-                  <a:txBody>
-                    <a:bodyPr/>
-                    <a:lstStyle/>
-                    <a:p>
-                      <a:pPr algn="r" fontAlgn="ctr"/>
-                      <a:r>
-                        <a:rPr lang="en-US">
-                          <a:effectLst/>
-                        </a:rPr>
-                        <a:t>0.682673</a:t>
-                      </a:r>
-                    </a:p>
-                  </a:txBody>
-                  <a:tcPr anchor="ctr">
-                    <a:lnL>
-                      <a:noFill/>
-                    </a:lnL>
-                    <a:lnR>
-                      <a:noFill/>
-                    </a:lnR>
-                    <a:lnT>
-                      <a:noFill/>
-                    </a:lnT>
-                    <a:lnB>
-                      <a:noFill/>
-                    </a:lnB>
-                  </a:tcPr>
-                </a:tc>
-                <a:extLst>
-                  <a:ext uri="{0D108BD9-81ED-4DB2-BD59-A6C34878D82A}">
-                    <a16:rowId xmlns:a16="http://schemas.microsoft.com/office/drawing/2014/main" val="1492048351"/>
-                  </a:ext>
-                </a:extLst>
-              </a:tr>
-              <a:tr h="318145">
-                <a:tc>
-                  <a:txBody>
-                    <a:bodyPr/>
-                    <a:lstStyle/>
-                    <a:p>
-                      <a:pPr algn="r" fontAlgn="ctr"/>
-                      <a:r>
-                        <a:rPr lang="en-US" b="1" dirty="0" err="1">
-                          <a:effectLst/>
-                        </a:rPr>
-                        <a:t>kmeans</a:t>
-                      </a:r>
-                      <a:endParaRPr lang="en-US" b="1" dirty="0">
-                        <a:effectLst/>
-                      </a:endParaRPr>
-                    </a:p>
-                  </a:txBody>
-                  <a:tcPr anchor="ctr">
-                    <a:lnL>
-                      <a:noFill/>
-                    </a:lnL>
-                    <a:lnR>
-                      <a:noFill/>
-                    </a:lnR>
-                    <a:lnT>
-                      <a:noFill/>
-                    </a:lnT>
-                    <a:lnB>
-                      <a:noFill/>
-                    </a:lnB>
-                    <a:solidFill>
-                      <a:srgbClr val="F5F5F5"/>
-                    </a:solidFill>
-                  </a:tcPr>
-                </a:tc>
-                <a:tc>
-                  <a:txBody>
-                    <a:bodyPr/>
-                    <a:lstStyle/>
-                    <a:p>
-                      <a:pPr algn="r" fontAlgn="ctr"/>
-                      <a:r>
-                        <a:rPr lang="en-US">
-                          <a:effectLst/>
-                        </a:rPr>
-                        <a:t>0.597994</a:t>
-                      </a:r>
-                    </a:p>
-                  </a:txBody>
-                  <a:tcPr anchor="ctr">
-                    <a:lnL>
-                      <a:noFill/>
-                    </a:lnL>
-                    <a:lnR>
-                      <a:noFill/>
-                    </a:lnR>
-                    <a:lnT>
-                      <a:noFill/>
-                    </a:lnT>
-                    <a:lnB>
-                      <a:noFill/>
-                    </a:lnB>
-                    <a:solidFill>
-                      <a:srgbClr val="F5F5F5"/>
-                    </a:solidFill>
-                  </a:tcPr>
-                </a:tc>
-                <a:extLst>
-                  <a:ext uri="{0D108BD9-81ED-4DB2-BD59-A6C34878D82A}">
-                    <a16:rowId xmlns:a16="http://schemas.microsoft.com/office/drawing/2014/main" val="2352718295"/>
-                  </a:ext>
-                </a:extLst>
-              </a:tr>
-              <a:tr h="318145">
-                <a:tc>
-                  <a:txBody>
-                    <a:bodyPr/>
-                    <a:lstStyle/>
-                    <a:p>
-                      <a:pPr algn="r" fontAlgn="ctr"/>
-                      <a:r>
-                        <a:rPr lang="en-US" b="1">
-                          <a:effectLst/>
-                        </a:rPr>
-                        <a:t>HA</a:t>
-                      </a:r>
-                    </a:p>
-                  </a:txBody>
-                  <a:tcPr anchor="ctr">
-                    <a:lnL>
-                      <a:noFill/>
-                    </a:lnL>
-                    <a:lnR>
-                      <a:noFill/>
-                    </a:lnR>
-                    <a:lnT>
-                      <a:noFill/>
-                    </a:lnT>
-                    <a:lnB>
-                      <a:noFill/>
-                    </a:lnB>
-                  </a:tcPr>
-                </a:tc>
-                <a:tc>
-                  <a:txBody>
-                    <a:bodyPr/>
-                    <a:lstStyle/>
-                    <a:p>
-                      <a:pPr algn="r" fontAlgn="ctr"/>
-                      <a:r>
-                        <a:rPr lang="en-US">
-                          <a:effectLst/>
-                        </a:rPr>
-                        <a:t>0.721767</a:t>
-                      </a:r>
-                    </a:p>
-                  </a:txBody>
-                  <a:tcPr anchor="ctr">
-                    <a:lnL>
-                      <a:noFill/>
-                    </a:lnL>
-                    <a:lnR>
-                      <a:noFill/>
-                    </a:lnR>
-                    <a:lnT>
-                      <a:noFill/>
-                    </a:lnT>
-                    <a:lnB>
-                      <a:noFill/>
-                    </a:lnB>
-                  </a:tcPr>
-                </a:tc>
-                <a:extLst>
-                  <a:ext uri="{0D108BD9-81ED-4DB2-BD59-A6C34878D82A}">
-                    <a16:rowId xmlns:a16="http://schemas.microsoft.com/office/drawing/2014/main" val="2687211234"/>
-                  </a:ext>
-                </a:extLst>
-              </a:tr>
-              <a:tr h="318145">
-                <a:tc>
-                  <a:txBody>
-                    <a:bodyPr/>
-                    <a:lstStyle/>
-                    <a:p>
-                      <a:pPr algn="r" fontAlgn="ctr"/>
-                      <a:r>
-                        <a:rPr lang="en-US" b="1">
-                          <a:effectLst/>
-                        </a:rPr>
-                        <a:t>LASSO</a:t>
-                      </a:r>
-                    </a:p>
-                  </a:txBody>
-                  <a:tcPr anchor="ctr">
-                    <a:lnL>
-                      <a:noFill/>
-                    </a:lnL>
-                    <a:lnR>
-                      <a:noFill/>
-                    </a:lnR>
-                    <a:lnT>
-                      <a:noFill/>
-                    </a:lnT>
-                    <a:lnB>
-                      <a:noFill/>
-                    </a:lnB>
-                    <a:solidFill>
-                      <a:srgbClr val="F5F5F5"/>
-                    </a:solidFill>
-                  </a:tcPr>
-                </a:tc>
-                <a:tc>
-                  <a:txBody>
-                    <a:bodyPr/>
-                    <a:lstStyle/>
-                    <a:p>
-                      <a:pPr algn="r" fontAlgn="ctr"/>
-                      <a:r>
-                        <a:rPr lang="en-US" dirty="0">
-                          <a:effectLst/>
-                        </a:rPr>
-                        <a:t>0.665282</a:t>
-                      </a:r>
-                    </a:p>
-                  </a:txBody>
-                  <a:tcPr anchor="ctr">
-                    <a:lnL>
-                      <a:noFill/>
-                    </a:lnL>
-                    <a:lnR>
-                      <a:noFill/>
-                    </a:lnR>
-                    <a:lnT>
-                      <a:noFill/>
-                    </a:lnT>
-                    <a:lnB>
-                      <a:noFill/>
-                    </a:lnB>
-                    <a:solidFill>
-                      <a:srgbClr val="F5F5F5"/>
-                    </a:solidFill>
-                  </a:tcPr>
-                </a:tc>
-                <a:extLst>
-                  <a:ext uri="{0D108BD9-81ED-4DB2-BD59-A6C34878D82A}">
-                    <a16:rowId xmlns:a16="http://schemas.microsoft.com/office/drawing/2014/main" val="252839408"/>
-                  </a:ext>
-                </a:extLst>
-              </a:tr>
-            </a:tbl>
-          </a:graphicData>
-        </a:graphic>
-      </p:graphicFrame>
+              <a:t> decreased the coefficient.  Likely because the simplicity of the mean values of body measurements do not implicitly contain information useful to removing noise in the dataset.</a:t>
+            </a:r>
+          </a:p>
+        </p:txBody>
+      </p:sp>
+      <p:pic>
+        <p:nvPicPr>
+          <p:cNvPr id="4" name="Picture 3">
+            <a:extLst>
+              <a:ext uri="{FF2B5EF4-FFF2-40B4-BE49-F238E27FC236}">
+                <a16:creationId xmlns:a16="http://schemas.microsoft.com/office/drawing/2014/main" id="{BD69DEE4-DEB4-70A5-37D4-285E508AEA21}"/>
+              </a:ext>
+            </a:extLst>
+          </p:cNvPr>
+          <p:cNvPicPr>
+            <a:picLocks noChangeAspect="1"/>
+          </p:cNvPicPr>
+          <p:nvPr/>
+        </p:nvPicPr>
+        <p:blipFill rotWithShape="1">
+          <a:blip r:embed="rId2"/>
+          <a:srcRect r="27536"/>
+          <a:stretch/>
+        </p:blipFill>
+        <p:spPr>
+          <a:xfrm>
+            <a:off x="7159615" y="255991"/>
+            <a:ext cx="2360903" cy="1975850"/>
+          </a:xfrm>
+          <a:prstGeom prst="rect">
+            <a:avLst/>
+          </a:prstGeom>
+        </p:spPr>
+      </p:pic>
     </p:spTree>
     <p:extLst>
       <p:ext uri="{BB962C8B-B14F-4D97-AF65-F5344CB8AC3E}">
@@ -4987,57 +4531,86 @@
           <a:chExt cx="0" cy="0"/>
         </a:xfrm>
       </p:grpSpPr>
-      <p:pic>
-        <p:nvPicPr>
-          <p:cNvPr id="1026" name="Picture 2">
-            <a:extLst>
-              <a:ext uri="{FF2B5EF4-FFF2-40B4-BE49-F238E27FC236}">
-                <a16:creationId xmlns:a16="http://schemas.microsoft.com/office/drawing/2014/main" id="{6786126E-95CA-7D95-EBDD-C3C518D0407B}"/>
-              </a:ext>
-            </a:extLst>
-          </p:cNvPr>
-          <p:cNvPicPr>
-            <a:picLocks noChangeAspect="1" noChangeArrowheads="1"/>
-          </p:cNvPicPr>
-          <p:nvPr/>
-        </p:nvPicPr>
-        <p:blipFill>
-          <a:blip r:embed="rId2">
-            <a:extLst>
-              <a:ext uri="{28A0092B-C50C-407E-A947-70E740481C1C}">
-                <a14:useLocalDpi xmlns:a14="http://schemas.microsoft.com/office/drawing/2010/main" val="0"/>
-              </a:ext>
-            </a:extLst>
-          </a:blip>
-          <a:srcRect/>
-          <a:stretch>
-            <a:fillRect/>
-          </a:stretch>
-        </p:blipFill>
-        <p:spPr bwMode="auto">
-          <a:xfrm>
-            <a:off x="457199" y="38100"/>
-            <a:ext cx="11455879" cy="6771319"/>
-          </a:xfrm>
-          <a:prstGeom prst="rect">
-            <a:avLst/>
-          </a:prstGeom>
-          <a:noFill/>
-          <a:extLst>
-            <a:ext uri="{909E8E84-426E-40DD-AFC4-6F175D3DCCD1}">
-              <a14:hiddenFill xmlns:a14="http://schemas.microsoft.com/office/drawing/2010/main">
-                <a:solidFill>
-                  <a:srgbClr val="FFFFFF"/>
-                </a:solidFill>
-              </a14:hiddenFill>
-            </a:ext>
-          </a:extLst>
-        </p:spPr>
-      </p:pic>
+      <p:sp>
+        <p:nvSpPr>
+          <p:cNvPr id="2" name="Title 1">
+            <a:extLst>
+              <a:ext uri="{FF2B5EF4-FFF2-40B4-BE49-F238E27FC236}">
+                <a16:creationId xmlns:a16="http://schemas.microsoft.com/office/drawing/2014/main" id="{A7DFD6AF-CC3C-C4B8-685D-C0C153EF697A}"/>
+              </a:ext>
+            </a:extLst>
+          </p:cNvPr>
+          <p:cNvSpPr>
+            <a:spLocks noGrp="1"/>
+          </p:cNvSpPr>
+          <p:nvPr>
+            <p:ph type="title"/>
+          </p:nvPr>
+        </p:nvSpPr>
+        <p:spPr/>
+        <p:txBody>
+          <a:bodyPr/>
+          <a:lstStyle/>
+          <a:p>
+            <a:r>
+              <a:rPr lang="en-US" dirty="0"/>
+              <a:t>Key Findings and Insights</a:t>
+            </a:r>
+          </a:p>
+        </p:txBody>
+      </p:sp>
+      <p:sp>
+        <p:nvSpPr>
+          <p:cNvPr id="3" name="Content Placeholder 2">
+            <a:extLst>
+              <a:ext uri="{FF2B5EF4-FFF2-40B4-BE49-F238E27FC236}">
+                <a16:creationId xmlns:a16="http://schemas.microsoft.com/office/drawing/2014/main" id="{7F9D1D38-279E-87E9-661D-EE98E52FC312}"/>
+              </a:ext>
+            </a:extLst>
+          </p:cNvPr>
+          <p:cNvSpPr>
+            <a:spLocks noGrp="1"/>
+          </p:cNvSpPr>
+          <p:nvPr>
+            <p:ph idx="1"/>
+          </p:nvPr>
+        </p:nvSpPr>
+        <p:spPr/>
+        <p:txBody>
+          <a:bodyPr/>
+          <a:lstStyle/>
+          <a:p>
+            <a:r>
+              <a:rPr lang="en-US" dirty="0"/>
+              <a:t>Clustering algorithms, notably HA and DBSCAN, were able to identify structure in the data beyond the capabilities of a simple BMI cut off. As shown by the increased regression performance.</a:t>
+            </a:r>
+          </a:p>
+          <a:p>
+            <a:r>
+              <a:rPr lang="en-US" dirty="0"/>
+              <a:t>In the current analysis, the HA clustering model performed the best.  This model maximized the R2, which was the objective of the analysis.</a:t>
+            </a:r>
+          </a:p>
+          <a:p>
+            <a:r>
+              <a:rPr lang="en-US" dirty="0"/>
+              <a:t>Limiting </a:t>
+            </a:r>
+            <a:r>
+              <a:rPr lang="en-US" dirty="0" err="1"/>
+              <a:t>Kmeans</a:t>
+            </a:r>
+            <a:r>
+              <a:rPr lang="en-US" dirty="0"/>
+              <a:t> and HA to 2 clusters may have not been the best choice for regression performance.  See future directions.</a:t>
+            </a:r>
+          </a:p>
+        </p:txBody>
+      </p:sp>
     </p:spTree>
     <p:extLst>
       <p:ext uri="{BB962C8B-B14F-4D97-AF65-F5344CB8AC3E}">
-        <p14:creationId xmlns:p14="http://schemas.microsoft.com/office/powerpoint/2010/main" val="824058035"/>
+        <p14:creationId xmlns:p14="http://schemas.microsoft.com/office/powerpoint/2010/main" val="407846097"/>
       </p:ext>
     </p:extLst>
   </p:cSld>
@@ -5069,7 +4642,7 @@
           <p:cNvPr id="2" name="Title 1">
             <a:extLst>
               <a:ext uri="{FF2B5EF4-FFF2-40B4-BE49-F238E27FC236}">
-                <a16:creationId xmlns:a16="http://schemas.microsoft.com/office/drawing/2014/main" id="{28C083C4-B850-E0EC-43D5-A91F63705C55}"/>
+                <a16:creationId xmlns:a16="http://schemas.microsoft.com/office/drawing/2014/main" id="{03FAADA4-4891-E184-0DFC-9A249933EA4C}"/>
               </a:ext>
             </a:extLst>
           </p:cNvPr>
@@ -5087,109 +4660,89 @@
           <a:p>
             <a:r>
               <a:rPr lang="en-US" dirty="0"/>
-              <a:t>Normalized data</a:t>
-            </a:r>
-          </a:p>
-        </p:txBody>
-      </p:sp>
-      <p:pic>
-        <p:nvPicPr>
-          <p:cNvPr id="2050" name="Picture 2">
-            <a:extLst>
-              <a:ext uri="{FF2B5EF4-FFF2-40B4-BE49-F238E27FC236}">
-                <a16:creationId xmlns:a16="http://schemas.microsoft.com/office/drawing/2014/main" id="{B92211AB-4EC1-6EE7-B668-714257F57522}"/>
-              </a:ext>
-            </a:extLst>
-          </p:cNvPr>
-          <p:cNvPicPr>
-            <a:picLocks noChangeAspect="1" noChangeArrowheads="1"/>
-          </p:cNvPicPr>
-          <p:nvPr/>
-        </p:nvPicPr>
-        <p:blipFill>
-          <a:blip r:embed="rId2">
-            <a:extLst>
-              <a:ext uri="{28A0092B-C50C-407E-A947-70E740481C1C}">
-                <a14:useLocalDpi xmlns:a14="http://schemas.microsoft.com/office/drawing/2010/main" val="0"/>
-              </a:ext>
-            </a:extLst>
-          </a:blip>
-          <a:srcRect/>
-          <a:stretch>
-            <a:fillRect/>
-          </a:stretch>
-        </p:blipFill>
-        <p:spPr bwMode="auto">
-          <a:xfrm>
-            <a:off x="838200" y="2316912"/>
-            <a:ext cx="3581400" cy="2362200"/>
-          </a:xfrm>
-          <a:prstGeom prst="rect">
-            <a:avLst/>
-          </a:prstGeom>
-          <a:noFill/>
-          <a:extLst>
-            <a:ext uri="{909E8E84-426E-40DD-AFC4-6F175D3DCCD1}">
-              <a14:hiddenFill xmlns:a14="http://schemas.microsoft.com/office/drawing/2010/main">
-                <a:solidFill>
-                  <a:srgbClr val="FFFFFF"/>
-                </a:solidFill>
-              </a14:hiddenFill>
-            </a:ext>
-          </a:extLst>
-        </p:spPr>
-      </p:pic>
-      <p:pic>
-        <p:nvPicPr>
-          <p:cNvPr id="2052" name="Picture 4">
-            <a:extLst>
-              <a:ext uri="{FF2B5EF4-FFF2-40B4-BE49-F238E27FC236}">
-                <a16:creationId xmlns:a16="http://schemas.microsoft.com/office/drawing/2014/main" id="{0408903E-616D-9DAA-6D0A-98E40B68BD95}"/>
-              </a:ext>
-            </a:extLst>
-          </p:cNvPr>
-          <p:cNvPicPr>
-            <a:picLocks noChangeAspect="1" noChangeArrowheads="1"/>
-          </p:cNvPicPr>
-          <p:nvPr/>
-        </p:nvPicPr>
-        <p:blipFill>
-          <a:blip r:embed="rId3">
-            <a:extLst>
-              <a:ext uri="{28A0092B-C50C-407E-A947-70E740481C1C}">
-                <a14:useLocalDpi xmlns:a14="http://schemas.microsoft.com/office/drawing/2010/main" val="0"/>
-              </a:ext>
-            </a:extLst>
-          </a:blip>
-          <a:srcRect/>
-          <a:stretch>
-            <a:fillRect/>
-          </a:stretch>
-        </p:blipFill>
-        <p:spPr bwMode="auto">
-          <a:xfrm>
-            <a:off x="4518265" y="2250237"/>
-            <a:ext cx="3638550" cy="2495550"/>
-          </a:xfrm>
-          <a:prstGeom prst="rect">
-            <a:avLst/>
-          </a:prstGeom>
-          <a:noFill/>
-          <a:extLst>
-            <a:ext uri="{909E8E84-426E-40DD-AFC4-6F175D3DCCD1}">
-              <a14:hiddenFill xmlns:a14="http://schemas.microsoft.com/office/drawing/2010/main">
-                <a:solidFill>
-                  <a:srgbClr val="FFFFFF"/>
-                </a:solidFill>
-              </a14:hiddenFill>
-            </a:ext>
-          </a:extLst>
-        </p:spPr>
-      </p:pic>
+              <a:t>Future Directions	</a:t>
+            </a:r>
+          </a:p>
+        </p:txBody>
+      </p:sp>
+      <p:sp>
+        <p:nvSpPr>
+          <p:cNvPr id="3" name="Content Placeholder 2">
+            <a:extLst>
+              <a:ext uri="{FF2B5EF4-FFF2-40B4-BE49-F238E27FC236}">
+                <a16:creationId xmlns:a16="http://schemas.microsoft.com/office/drawing/2014/main" id="{E2B46AF9-E6E8-06EA-5191-B11CF9C2911E}"/>
+              </a:ext>
+            </a:extLst>
+          </p:cNvPr>
+          <p:cNvSpPr>
+            <a:spLocks noGrp="1"/>
+          </p:cNvSpPr>
+          <p:nvPr>
+            <p:ph idx="1"/>
+          </p:nvPr>
+        </p:nvSpPr>
+        <p:spPr/>
+        <p:txBody>
+          <a:bodyPr/>
+          <a:lstStyle/>
+          <a:p>
+            <a:r>
+              <a:rPr lang="en-US" dirty="0"/>
+              <a:t>Feature Engineering:</a:t>
+            </a:r>
+          </a:p>
+          <a:p>
+            <a:pPr lvl="1"/>
+            <a:r>
+              <a:rPr lang="en-US" dirty="0"/>
+              <a:t>Train the unsupervised models with BMI in place. </a:t>
+            </a:r>
+          </a:p>
+          <a:p>
+            <a:pPr lvl="1"/>
+            <a:r>
+              <a:rPr lang="en-US" dirty="0"/>
+              <a:t>Remove variables that have low correlations with target.  They may be introducing noise</a:t>
+            </a:r>
+          </a:p>
+          <a:p>
+            <a:r>
+              <a:rPr lang="en-US" dirty="0"/>
+              <a:t>Regression:</a:t>
+            </a:r>
+          </a:p>
+          <a:p>
+            <a:pPr lvl="1"/>
+            <a:r>
+              <a:rPr lang="en-US" dirty="0"/>
+              <a:t>Train the HA and </a:t>
+            </a:r>
+            <a:r>
+              <a:rPr lang="en-US" dirty="0" err="1"/>
+              <a:t>Kmeans</a:t>
+            </a:r>
+            <a:r>
+              <a:rPr lang="en-US" dirty="0"/>
+              <a:t> models without </a:t>
+            </a:r>
+            <a:r>
+              <a:rPr lang="en-US" dirty="0" err="1"/>
+              <a:t>constaining</a:t>
+            </a:r>
+            <a:r>
+              <a:rPr lang="en-US" dirty="0"/>
+              <a:t> them to two clusters.  Compare model performance (R2) of each cluster group to the base case.  </a:t>
+            </a:r>
+          </a:p>
+          <a:p>
+            <a:endParaRPr lang="en-US" dirty="0"/>
+          </a:p>
+        </p:txBody>
+      </p:sp>
     </p:spTree>
     <p:extLst>
       <p:ext uri="{BB962C8B-B14F-4D97-AF65-F5344CB8AC3E}">
-        <p14:creationId xmlns:p14="http://schemas.microsoft.com/office/powerpoint/2010/main" val="1801432166"/>
+        <p14:creationId xmlns:p14="http://schemas.microsoft.com/office/powerpoint/2010/main" val="2829606452"/>
       </p:ext>
     </p:extLst>
   </p:cSld>
@@ -5514,7 +5067,7 @@
                 <a:effectLst/>
                 <a:latin typeface="inherit"/>
               </a:rPr>
-              <a:t>Abdomen 2 circumference (cm)</a:t>
+              <a:t>Abdomen circumference (cm)</a:t>
             </a:r>
           </a:p>
           <a:p>
@@ -5809,20 +5362,40 @@
         <p:spPr/>
         <p:txBody>
           <a:bodyPr>
-            <a:normAutofit/>
+            <a:normAutofit lnSpcReduction="10000"/>
           </a:bodyPr>
           <a:lstStyle/>
           <a:p>
             <a:r>
               <a:rPr lang="en-US" dirty="0"/>
-              <a:t>This dataset was used for the Supervised Learning Project. There a variety of linear regression models were trained to predict BFP from measurements easily taken at home.  In that activity, all data corresponding to obese individuals was removed to normalize the data.  </a:t>
-            </a:r>
-          </a:p>
-          <a:p>
-            <a:r>
-              <a:rPr lang="en-US" dirty="0"/>
-              <a:t>The objective of this analysis is to use Unsupervised learning to cluster the data into subcategories for linear regression.  The hope is to see model performance increase after the data has been stratified by the unsupervised learning models.</a:t>
-            </a:r>
+              <a:t>This dataset was used for the Supervised Learning Project. There a variety of linear regression models were trained to predict BFP from measurements taken at home.  In that activity, all data corresponding to obese individuals were removed to normalize the data.  </a:t>
+            </a:r>
+          </a:p>
+          <a:p>
+            <a:r>
+              <a:rPr lang="en-US" dirty="0"/>
+              <a:t>The objective of the current analysis is to use unsupervised learning to cluster data into subcategories for linear regression.  The hope is to see model performance increase after the data has been stratified by the unsupervised learning models.</a:t>
+            </a:r>
+          </a:p>
+          <a:p>
+            <a:r>
+              <a:rPr lang="en-US" dirty="0"/>
+              <a:t>The clustering may uncover body type similarities and patterns  unknown to me.</a:t>
+            </a:r>
+          </a:p>
+          <a:p>
+            <a:pPr lvl="1"/>
+            <a:r>
+              <a:rPr lang="en-US" dirty="0"/>
+              <a:t>Hopefully not unknown to medical professionals </a:t>
+            </a:r>
+            <a:r>
+              <a:rPr lang="en-US" dirty="0">
+                <a:sym typeface="Wingdings" panose="05000000000000000000" pitchFamily="2" charset="2"/>
+              </a:rPr>
+              <a:t></a:t>
+            </a:r>
+            <a:endParaRPr lang="en-US" dirty="0"/>
           </a:p>
         </p:txBody>
       </p:sp>
@@ -5935,7 +5508,7 @@
             <a:pPr lvl="1"/>
             <a:r>
               <a:rPr lang="en-US" dirty="0"/>
-              <a:t>Coefficients of Determination between the test data and the model predictions will be the only metric used to evaluate performance</a:t>
+              <a:t>Coefficients of Determination between the test data and each models predictions will be the only metric used to evaluate performance</a:t>
             </a:r>
           </a:p>
           <a:p>
@@ -6147,13 +5720,13 @@
           <a:p>
             <a:r>
               <a:rPr lang="en-US" dirty="0"/>
-              <a:t>Three unsupervised models were trained on the entire dataset.  The skewed columns were normalized with a logarithmic transformation.</a:t>
-            </a:r>
-          </a:p>
-          <a:p>
-            <a:r>
-              <a:rPr lang="en-US" dirty="0"/>
-              <a:t>The subsequent regressions were all performed on data that was standardly scaled following the train/test split.  It is noted that the BMI feature was reintroduced for regression. </a:t>
+              <a:t>Three unsupervised models were trained on the entire dataset. </a:t>
+            </a:r>
+          </a:p>
+          <a:p>
+            <a:r>
+              <a:rPr lang="en-US" dirty="0"/>
+              <a:t>The subsequent regressions were all performed on data that was standardly scaled following the train/test split.  It should be noted that the BMI feature was reintroduced for regression. </a:t>
             </a:r>
           </a:p>
         </p:txBody>
@@ -6262,43 +5835,60 @@
             </a:r>
             <a:r>
               <a:rPr lang="en-US" dirty="0"/>
-              <a:t> had two hard splits: Observations above a BMI of 27.21 were placed in group one, and observations below a BMI 22 were placed in group zero. </a:t>
-            </a:r>
-          </a:p>
-          <a:p>
+              <a:t> had two hard splits, with pattern in the soft splits for in between BMIs: </a:t>
+            </a:r>
+          </a:p>
+          <a:p>
+            <a:pPr lvl="1"/>
+            <a:r>
+              <a:rPr lang="en-US" dirty="0"/>
+              <a:t>Observations above a BMI of 27.21 were placed in group one </a:t>
+            </a:r>
+          </a:p>
+          <a:p>
+            <a:pPr lvl="1"/>
+            <a:r>
+              <a:rPr lang="en-US" dirty="0"/>
+              <a:t>Observations below a BMI 22 were placed in group zero. </a:t>
+            </a:r>
+          </a:p>
+          <a:p>
+            <a:pPr lvl="1"/>
             <a:r>
               <a:rPr lang="en-US" dirty="0"/>
               <a:t>BMIs between 22-27.2 generally were placed in group 0.</a:t>
             </a:r>
           </a:p>
           <a:p>
+            <a:pPr lvl="2"/>
+            <a:r>
+              <a:rPr lang="en-US" dirty="0"/>
+              <a:t> 98 zeros out of 140 total observations.</a:t>
+            </a:r>
+          </a:p>
+          <a:p>
             <a:pPr lvl="1"/>
             <a:r>
               <a:rPr lang="en-US" dirty="0"/>
-              <a:t> 97 zeros out of 132 total observations.</a:t>
-            </a:r>
-          </a:p>
-          <a:p>
-            <a:r>
-              <a:rPr lang="en-US" dirty="0"/>
-              <a:t>BMIs between 25-27.2 were overwhelmingly placed in group zero.	</a:t>
+              <a:t>BMIs between 25-27.2 were overwhelmingly placed in group one.	</a:t>
+            </a:r>
+          </a:p>
+          <a:p>
+            <a:pPr lvl="2"/>
+            <a:r>
+              <a:rPr lang="en-US" dirty="0"/>
+              <a:t> 31 ones out of 58 total observations.</a:t>
             </a:r>
           </a:p>
           <a:p>
             <a:pPr lvl="1"/>
             <a:r>
               <a:rPr lang="en-US" dirty="0"/>
-              <a:t> 31 zeros out of 58 total observations.</a:t>
-            </a:r>
-          </a:p>
-          <a:p>
-            <a:r>
-              <a:rPr lang="en-US" dirty="0"/>
               <a:t>BMIs between 22-25 were overwhelmingly placed in group zero.	</a:t>
             </a:r>
           </a:p>
           <a:p>
-            <a:pPr lvl="1"/>
+            <a:pPr lvl="2"/>
             <a:r>
               <a:rPr lang="en-US" dirty="0"/>
               <a:t> 71 zeros out of 82 total observations.</a:t>

--- a/Course_4_Unsupervised_Learning/Classification_Project_Body_Fat_Prediction.pptx
+++ b/Course_4_Unsupervised_Learning/Classification_Project_Body_Fat_Prediction.pptx
@@ -277,7 +277,7 @@
           <a:p>
             <a:fld id="{16F770BB-1FD8-45C5-AB6D-C1CFB5A40374}" type="datetimeFigureOut">
               <a:rPr lang="en-US" smtClean="0"/>
-              <a:t>8/6/2022</a:t>
+              <a:t>12/28/2022</a:t>
             </a:fld>
             <a:endParaRPr lang="en-US"/>
           </a:p>
@@ -475,7 +475,7 @@
           <a:p>
             <a:fld id="{16F770BB-1FD8-45C5-AB6D-C1CFB5A40374}" type="datetimeFigureOut">
               <a:rPr lang="en-US" smtClean="0"/>
-              <a:t>8/6/2022</a:t>
+              <a:t>12/28/2022</a:t>
             </a:fld>
             <a:endParaRPr lang="en-US"/>
           </a:p>
@@ -683,7 +683,7 @@
           <a:p>
             <a:fld id="{16F770BB-1FD8-45C5-AB6D-C1CFB5A40374}" type="datetimeFigureOut">
               <a:rPr lang="en-US" smtClean="0"/>
-              <a:t>8/6/2022</a:t>
+              <a:t>12/28/2022</a:t>
             </a:fld>
             <a:endParaRPr lang="en-US"/>
           </a:p>
@@ -881,7 +881,7 @@
           <a:p>
             <a:fld id="{16F770BB-1FD8-45C5-AB6D-C1CFB5A40374}" type="datetimeFigureOut">
               <a:rPr lang="en-US" smtClean="0"/>
-              <a:t>8/6/2022</a:t>
+              <a:t>12/28/2022</a:t>
             </a:fld>
             <a:endParaRPr lang="en-US"/>
           </a:p>
@@ -1156,7 +1156,7 @@
           <a:p>
             <a:fld id="{16F770BB-1FD8-45C5-AB6D-C1CFB5A40374}" type="datetimeFigureOut">
               <a:rPr lang="en-US" smtClean="0"/>
-              <a:t>8/6/2022</a:t>
+              <a:t>12/28/2022</a:t>
             </a:fld>
             <a:endParaRPr lang="en-US"/>
           </a:p>
@@ -1421,7 +1421,7 @@
           <a:p>
             <a:fld id="{16F770BB-1FD8-45C5-AB6D-C1CFB5A40374}" type="datetimeFigureOut">
               <a:rPr lang="en-US" smtClean="0"/>
-              <a:t>8/6/2022</a:t>
+              <a:t>12/28/2022</a:t>
             </a:fld>
             <a:endParaRPr lang="en-US"/>
           </a:p>
@@ -1833,7 +1833,7 @@
           <a:p>
             <a:fld id="{16F770BB-1FD8-45C5-AB6D-C1CFB5A40374}" type="datetimeFigureOut">
               <a:rPr lang="en-US" smtClean="0"/>
-              <a:t>8/6/2022</a:t>
+              <a:t>12/28/2022</a:t>
             </a:fld>
             <a:endParaRPr lang="en-US"/>
           </a:p>
@@ -1974,7 +1974,7 @@
           <a:p>
             <a:fld id="{16F770BB-1FD8-45C5-AB6D-C1CFB5A40374}" type="datetimeFigureOut">
               <a:rPr lang="en-US" smtClean="0"/>
-              <a:t>8/6/2022</a:t>
+              <a:t>12/28/2022</a:t>
             </a:fld>
             <a:endParaRPr lang="en-US"/>
           </a:p>
@@ -2087,7 +2087,7 @@
           <a:p>
             <a:fld id="{16F770BB-1FD8-45C5-AB6D-C1CFB5A40374}" type="datetimeFigureOut">
               <a:rPr lang="en-US" smtClean="0"/>
-              <a:t>8/6/2022</a:t>
+              <a:t>12/28/2022</a:t>
             </a:fld>
             <a:endParaRPr lang="en-US"/>
           </a:p>
@@ -2398,7 +2398,7 @@
           <a:p>
             <a:fld id="{16F770BB-1FD8-45C5-AB6D-C1CFB5A40374}" type="datetimeFigureOut">
               <a:rPr lang="en-US" smtClean="0"/>
-              <a:t>8/6/2022</a:t>
+              <a:t>12/28/2022</a:t>
             </a:fld>
             <a:endParaRPr lang="en-US"/>
           </a:p>
@@ -2686,7 +2686,7 @@
           <a:p>
             <a:fld id="{16F770BB-1FD8-45C5-AB6D-C1CFB5A40374}" type="datetimeFigureOut">
               <a:rPr lang="en-US" smtClean="0"/>
-              <a:t>8/6/2022</a:t>
+              <a:t>12/28/2022</a:t>
             </a:fld>
             <a:endParaRPr lang="en-US"/>
           </a:p>
@@ -2927,7 +2927,7 @@
           <a:p>
             <a:fld id="{16F770BB-1FD8-45C5-AB6D-C1CFB5A40374}" type="datetimeFigureOut">
               <a:rPr lang="en-US" smtClean="0"/>
-              <a:t>8/6/2022</a:t>
+              <a:t>12/28/2022</a:t>
             </a:fld>
             <a:endParaRPr lang="en-US"/>
           </a:p>
@@ -3393,7 +3393,7 @@
           <a:bodyPr/>
           <a:lstStyle/>
           <a:p>
-            <a:endParaRPr lang="en-US"/>
+            <a:endParaRPr lang="en-US" dirty="0"/>
           </a:p>
         </p:txBody>
       </p:sp>

--- a/Course_4_Unsupervised_Learning/Classification_Project_Body_Fat_Prediction.pptx
+++ b/Course_4_Unsupervised_Learning/Classification_Project_Body_Fat_Prediction.pptx
@@ -277,7 +277,7 @@
           <a:p>
             <a:fld id="{16F770BB-1FD8-45C5-AB6D-C1CFB5A40374}" type="datetimeFigureOut">
               <a:rPr lang="en-US" smtClean="0"/>
-              <a:t>12/28/2022</a:t>
+              <a:t>1/2/2023</a:t>
             </a:fld>
             <a:endParaRPr lang="en-US"/>
           </a:p>
@@ -475,7 +475,7 @@
           <a:p>
             <a:fld id="{16F770BB-1FD8-45C5-AB6D-C1CFB5A40374}" type="datetimeFigureOut">
               <a:rPr lang="en-US" smtClean="0"/>
-              <a:t>12/28/2022</a:t>
+              <a:t>1/2/2023</a:t>
             </a:fld>
             <a:endParaRPr lang="en-US"/>
           </a:p>
@@ -683,7 +683,7 @@
           <a:p>
             <a:fld id="{16F770BB-1FD8-45C5-AB6D-C1CFB5A40374}" type="datetimeFigureOut">
               <a:rPr lang="en-US" smtClean="0"/>
-              <a:t>12/28/2022</a:t>
+              <a:t>1/2/2023</a:t>
             </a:fld>
             <a:endParaRPr lang="en-US"/>
           </a:p>
@@ -881,7 +881,7 @@
           <a:p>
             <a:fld id="{16F770BB-1FD8-45C5-AB6D-C1CFB5A40374}" type="datetimeFigureOut">
               <a:rPr lang="en-US" smtClean="0"/>
-              <a:t>12/28/2022</a:t>
+              <a:t>1/2/2023</a:t>
             </a:fld>
             <a:endParaRPr lang="en-US"/>
           </a:p>
@@ -1156,7 +1156,7 @@
           <a:p>
             <a:fld id="{16F770BB-1FD8-45C5-AB6D-C1CFB5A40374}" type="datetimeFigureOut">
               <a:rPr lang="en-US" smtClean="0"/>
-              <a:t>12/28/2022</a:t>
+              <a:t>1/2/2023</a:t>
             </a:fld>
             <a:endParaRPr lang="en-US"/>
           </a:p>
@@ -1421,7 +1421,7 @@
           <a:p>
             <a:fld id="{16F770BB-1FD8-45C5-AB6D-C1CFB5A40374}" type="datetimeFigureOut">
               <a:rPr lang="en-US" smtClean="0"/>
-              <a:t>12/28/2022</a:t>
+              <a:t>1/2/2023</a:t>
             </a:fld>
             <a:endParaRPr lang="en-US"/>
           </a:p>
@@ -1833,7 +1833,7 @@
           <a:p>
             <a:fld id="{16F770BB-1FD8-45C5-AB6D-C1CFB5A40374}" type="datetimeFigureOut">
               <a:rPr lang="en-US" smtClean="0"/>
-              <a:t>12/28/2022</a:t>
+              <a:t>1/2/2023</a:t>
             </a:fld>
             <a:endParaRPr lang="en-US"/>
           </a:p>
@@ -1974,7 +1974,7 @@
           <a:p>
             <a:fld id="{16F770BB-1FD8-45C5-AB6D-C1CFB5A40374}" type="datetimeFigureOut">
               <a:rPr lang="en-US" smtClean="0"/>
-              <a:t>12/28/2022</a:t>
+              <a:t>1/2/2023</a:t>
             </a:fld>
             <a:endParaRPr lang="en-US"/>
           </a:p>
@@ -2087,7 +2087,7 @@
           <a:p>
             <a:fld id="{16F770BB-1FD8-45C5-AB6D-C1CFB5A40374}" type="datetimeFigureOut">
               <a:rPr lang="en-US" smtClean="0"/>
-              <a:t>12/28/2022</a:t>
+              <a:t>1/2/2023</a:t>
             </a:fld>
             <a:endParaRPr lang="en-US"/>
           </a:p>
@@ -2398,7 +2398,7 @@
           <a:p>
             <a:fld id="{16F770BB-1FD8-45C5-AB6D-C1CFB5A40374}" type="datetimeFigureOut">
               <a:rPr lang="en-US" smtClean="0"/>
-              <a:t>12/28/2022</a:t>
+              <a:t>1/2/2023</a:t>
             </a:fld>
             <a:endParaRPr lang="en-US"/>
           </a:p>
@@ -2686,7 +2686,7 @@
           <a:p>
             <a:fld id="{16F770BB-1FD8-45C5-AB6D-C1CFB5A40374}" type="datetimeFigureOut">
               <a:rPr lang="en-US" smtClean="0"/>
-              <a:t>12/28/2022</a:t>
+              <a:t>1/2/2023</a:t>
             </a:fld>
             <a:endParaRPr lang="en-US"/>
           </a:p>
@@ -2927,7 +2927,7 @@
           <a:p>
             <a:fld id="{16F770BB-1FD8-45C5-AB6D-C1CFB5A40374}" type="datetimeFigureOut">
               <a:rPr lang="en-US" smtClean="0"/>
-              <a:t>12/28/2022</a:t>
+              <a:t>1/2/2023</a:t>
             </a:fld>
             <a:endParaRPr lang="en-US"/>
           </a:p>
@@ -3490,10 +3490,6 @@
           <a:lstStyle/>
           <a:p>
             <a:r>
-              <a:rPr lang="en-US" dirty="0"/>
-              <a:t>With the expected blurry boundaries, </a:t>
-            </a:r>
-            <a:r>
               <a:rPr lang="en-US" dirty="0" err="1"/>
               <a:t>Kmeans</a:t>
             </a:r>
@@ -3505,15 +3501,7 @@
           <a:p>
             <a:r>
               <a:rPr lang="en-US" dirty="0"/>
-              <a:t>Despite the interesting 2-mean split identified by the </a:t>
-            </a:r>
-            <a:r>
-              <a:rPr lang="en-US" dirty="0" err="1"/>
-              <a:t>kmeans</a:t>
-            </a:r>
-            <a:r>
-              <a:rPr lang="en-US" dirty="0"/>
-              <a:t> algorithm, the performance of the linear regression model decreased.  </a:t>
+              <a:t>The performance of the linear regression model decreased.  </a:t>
             </a:r>
           </a:p>
           <a:p>
@@ -3624,7 +3612,7 @@
           <a:p>
             <a:r>
               <a:rPr lang="en-US" dirty="0"/>
-              <a:t>The inertia vs. number of clusters suggests the model could be further optimized.  More on this in future directions…</a:t>
+              <a:t>The inertia vs. number of clusters suggests the model could be further optimized.  More on this in future directions.</a:t>
             </a:r>
           </a:p>
           <a:p>
@@ -4033,7 +4021,7 @@
         </p:spPr>
         <p:txBody>
           <a:bodyPr>
-            <a:normAutofit fontScale="85000" lnSpcReduction="10000"/>
+            <a:normAutofit fontScale="92500" lnSpcReduction="20000"/>
           </a:bodyPr>
           <a:lstStyle/>
           <a:p>
@@ -4073,16 +4061,12 @@
           </a:p>
           <a:p>
             <a:r>
-              <a:rPr lang="en-US" dirty="0"/>
-              <a:t>3 was selected for </a:t>
-            </a:r>
-            <a:r>
               <a:rPr lang="en-US" dirty="0" err="1"/>
               <a:t>min_samples</a:t>
             </a:r>
             <a:r>
               <a:rPr lang="en-US" dirty="0"/>
-              <a:t> as the slope from x = 0-3 was the most pronounced.  Other increments do not seem to identify structure in the data.  </a:t>
+              <a:t> = 2 as the slope from x = 0-2 was the most pronounced.  Other increments do not seem to identify structure in the data.  </a:t>
             </a:r>
           </a:p>
           <a:p>
@@ -4253,7 +4237,7 @@
             <a:pPr lvl="1"/>
             <a:r>
               <a:rPr lang="en-US" dirty="0"/>
-              <a:t> Discussion to come.</a:t>
+              <a:t> Discussion to follow.</a:t>
             </a:r>
           </a:p>
         </p:txBody>
@@ -4438,7 +4422,7 @@
         </p:nvSpPr>
         <p:spPr>
           <a:xfrm>
-            <a:off x="838200" y="1768415"/>
+            <a:off x="769188" y="3303917"/>
             <a:ext cx="10515600" cy="4408548"/>
           </a:xfrm>
         </p:spPr>
@@ -4450,23 +4434,23 @@
           </a:p>
           <a:p>
             <a:r>
-              <a:rPr lang="en-US" dirty="0"/>
-              <a:t>The baseline, no clustering, regression had a coefficient of determination of ~0.654.</a:t>
-            </a:r>
-          </a:p>
-          <a:p>
-            <a:r>
-              <a:rPr lang="en-US" dirty="0"/>
+              <a:rPr lang="en-US" sz="2000" dirty="0"/>
+              <a:t>The baseline, no clustering, LASSO regression had a coefficient of determination of ~0.654.</a:t>
+            </a:r>
+          </a:p>
+          <a:p>
+            <a:r>
+              <a:rPr lang="en-US" sz="2000" dirty="0"/>
               <a:t>DBSCAN and HA clustering increased the regression performance.  These algorithms were able to uncover structure in the data.  Each majority group contained significantly less scatter than the original dataset. </a:t>
             </a:r>
           </a:p>
           <a:p>
             <a:r>
-              <a:rPr lang="en-US" dirty="0" err="1"/>
+              <a:rPr lang="en-US" sz="2000" dirty="0" err="1"/>
               <a:t>Kmeans</a:t>
             </a:r>
             <a:r>
-              <a:rPr lang="en-US" dirty="0"/>
+              <a:rPr lang="en-US" sz="2000" dirty="0"/>
               <a:t> decreased the coefficient.  Likely because the simplicity of the mean values of body measurements do not implicitly contain information useful to removing noise in the dataset.</a:t>
             </a:r>
           </a:p>
@@ -4493,7 +4477,7 @@
         </p:blipFill>
         <p:spPr>
           <a:xfrm>
-            <a:off x="7159615" y="255991"/>
+            <a:off x="4846536" y="1328067"/>
             <a:ext cx="2360903" cy="1975850"/>
           </a:xfrm>
           <a:prstGeom prst="rect">
@@ -4723,15 +4707,7 @@
             </a:r>
             <a:r>
               <a:rPr lang="en-US" dirty="0"/>
-              <a:t> models without </a:t>
-            </a:r>
-            <a:r>
-              <a:rPr lang="en-US" dirty="0" err="1"/>
-              <a:t>constaining</a:t>
-            </a:r>
-            <a:r>
-              <a:rPr lang="en-US" dirty="0"/>
-              <a:t> them to two clusters.  Compare model performance (R2) of each cluster group to the base case.  </a:t>
+              <a:t> models without constraining them to two clusters.  Compare model performance (R2) of each cluster group to the base case.  </a:t>
             </a:r>
           </a:p>
           <a:p>
@@ -5280,7 +5256,7 @@
             <a:pPr lvl="2"/>
             <a:r>
               <a:rPr lang="en-US" dirty="0"/>
-              <a:t>The feature was added back in at the end of the analysis for comparison purposes.</a:t>
+              <a:t>The feature was added back in at the end of the analysis for the regressions.</a:t>
             </a:r>
           </a:p>
         </p:txBody>
@@ -5368,7 +5344,7 @@
           <a:p>
             <a:r>
               <a:rPr lang="en-US" dirty="0"/>
-              <a:t>This dataset was used for the Supervised Learning Project. There a variety of linear regression models were trained to predict BFP from measurements taken at home.  In that activity, all data corresponding to obese individuals were removed to normalize the data.  </a:t>
+              <a:t>This dataset was used for the Supervised Learning Project. There, a variety of linear regression models were trained to predict BFP from measurements taken at home.  In that activity, all data corresponding to obese individuals were removed to normalize feature distributions.  </a:t>
             </a:r>
           </a:p>
           <a:p>
@@ -5616,25 +5592,20 @@
             </a:r>
             <a:r>
               <a:rPr lang="en-US" dirty="0"/>
-              <a:t> (AG) will be limited to two clusters.  The intention is to see if unsupervised algorithms can recreate a healthy weight/obesity split like the one employed in the supervised learning activity.</a:t>
+              <a:t> (AG) will be limited to two clusters.</a:t>
             </a:r>
           </a:p>
           <a:p>
             <a:pPr lvl="1"/>
             <a:r>
               <a:rPr lang="en-US" dirty="0"/>
-              <a:t>It is feared that forcing </a:t>
-            </a:r>
-            <a:r>
-              <a:rPr lang="en-US" dirty="0" err="1"/>
-              <a:t>Kmeans</a:t>
-            </a:r>
-            <a:r>
-              <a:rPr lang="en-US" dirty="0"/>
-              <a:t>, and AG models to assign all data into these categories will be counter productive to the goal of regression.   </a:t>
-            </a:r>
-          </a:p>
-          <a:p>
+              <a:t>The intention is to see if unsupervised algorithms can recreate a healthy weight/obesity split similar to the medically accepted convention.</a:t>
+            </a:r>
+          </a:p>
+          <a:p>
+            <a:pPr marL="457200" lvl="1" indent="0">
+              <a:buNone/>
+            </a:pPr>
             <a:endParaRPr lang="en-US" dirty="0"/>
           </a:p>
         </p:txBody>
@@ -5726,7 +5697,7 @@
           <a:p>
             <a:r>
               <a:rPr lang="en-US" dirty="0"/>
-              <a:t>The subsequent regressions were all performed on data that was standardly scaled following the train/test split.  It should be noted that the BMI feature was reintroduced for regression. </a:t>
+              <a:t>The subsequent regressions were all performed on data that was standardly scaled following the train/test split.</a:t>
             </a:r>
           </a:p>
         </p:txBody>
